--- a/Figures and Paper/Figure PPTs/Sim Flow Chart.pptx
+++ b/Figures and Paper/Figure PPTs/Sim Flow Chart.pptx
@@ -2,12 +2,12 @@
 <file path=ppt/presentation.xml><?xml version="1.0" encoding="utf-8"?>
 <p:presentation xmlns:a="http://schemas.openxmlformats.org/drawingml/2006/main" xmlns:r="http://schemas.openxmlformats.org/officeDocument/2006/relationships" xmlns:p="http://schemas.openxmlformats.org/presentationml/2006/main" saveSubsetFonts="1">
   <p:sldMasterIdLst>
-    <p:sldMasterId id="2147483696" r:id="rId1"/>
+    <p:sldMasterId id="2147483744" r:id="rId1"/>
   </p:sldMasterIdLst>
   <p:sldIdLst>
     <p:sldId id="256" r:id="rId2"/>
   </p:sldIdLst>
-  <p:sldSz cx="13716000" cy="18288000"/>
+  <p:sldSz cx="8229600" cy="9829800"/>
   <p:notesSz cx="6858000" cy="9144000"/>
   <p:defaultTextStyle>
     <a:defPPr>
@@ -141,15 +141,15 @@
         </p:nvSpPr>
         <p:spPr>
           <a:xfrm>
-            <a:off x="1028700" y="2992968"/>
-            <a:ext cx="11658600" cy="6366933"/>
+            <a:off x="617220" y="1608720"/>
+            <a:ext cx="6995160" cy="3422227"/>
           </a:xfrm>
         </p:spPr>
         <p:txBody>
           <a:bodyPr anchor="b"/>
           <a:lstStyle>
             <a:lvl1pPr algn="ctr">
-              <a:defRPr sz="9000"/>
+              <a:defRPr sz="5400"/>
             </a:lvl1pPr>
           </a:lstStyle>
           <a:p>
@@ -173,8 +173,8 @@
         </p:nvSpPr>
         <p:spPr>
           <a:xfrm>
-            <a:off x="1714500" y="9605435"/>
-            <a:ext cx="10287000" cy="4415365"/>
+            <a:off x="1028700" y="5162921"/>
+            <a:ext cx="6172200" cy="2373259"/>
           </a:xfrm>
         </p:spPr>
         <p:txBody>
@@ -182,39 +182,39 @@
           <a:lstStyle>
             <a:lvl1pPr marL="0" indent="0" algn="ctr">
               <a:buNone/>
-              <a:defRPr sz="3600"/>
+              <a:defRPr sz="2160"/>
             </a:lvl1pPr>
-            <a:lvl2pPr marL="685800" indent="0" algn="ctr">
-              <a:buNone/>
-              <a:defRPr sz="3000"/>
+            <a:lvl2pPr marL="411480" indent="0" algn="ctr">
+              <a:buNone/>
+              <a:defRPr sz="1800"/>
             </a:lvl2pPr>
-            <a:lvl3pPr marL="1371600" indent="0" algn="ctr">
-              <a:buNone/>
-              <a:defRPr sz="2700"/>
+            <a:lvl3pPr marL="822960" indent="0" algn="ctr">
+              <a:buNone/>
+              <a:defRPr sz="1620"/>
             </a:lvl3pPr>
-            <a:lvl4pPr marL="2057400" indent="0" algn="ctr">
-              <a:buNone/>
-              <a:defRPr sz="2400"/>
+            <a:lvl4pPr marL="1234440" indent="0" algn="ctr">
+              <a:buNone/>
+              <a:defRPr sz="1440"/>
             </a:lvl4pPr>
-            <a:lvl5pPr marL="2743200" indent="0" algn="ctr">
-              <a:buNone/>
-              <a:defRPr sz="2400"/>
+            <a:lvl5pPr marL="1645920" indent="0" algn="ctr">
+              <a:buNone/>
+              <a:defRPr sz="1440"/>
             </a:lvl5pPr>
-            <a:lvl6pPr marL="3429000" indent="0" algn="ctr">
-              <a:buNone/>
-              <a:defRPr sz="2400"/>
+            <a:lvl6pPr marL="2057400" indent="0" algn="ctr">
+              <a:buNone/>
+              <a:defRPr sz="1440"/>
             </a:lvl6pPr>
-            <a:lvl7pPr marL="4114800" indent="0" algn="ctr">
-              <a:buNone/>
-              <a:defRPr sz="2400"/>
+            <a:lvl7pPr marL="2468880" indent="0" algn="ctr">
+              <a:buNone/>
+              <a:defRPr sz="1440"/>
             </a:lvl7pPr>
-            <a:lvl8pPr marL="4800600" indent="0" algn="ctr">
-              <a:buNone/>
-              <a:defRPr sz="2400"/>
+            <a:lvl8pPr marL="2880360" indent="0" algn="ctr">
+              <a:buNone/>
+              <a:defRPr sz="1440"/>
             </a:lvl8pPr>
-            <a:lvl9pPr marL="5486400" indent="0" algn="ctr">
-              <a:buNone/>
-              <a:defRPr sz="2400"/>
+            <a:lvl9pPr marL="3291840" indent="0" algn="ctr">
+              <a:buNone/>
+              <a:defRPr sz="1440"/>
             </a:lvl9pPr>
           </a:lstStyle>
           <a:p>
@@ -243,7 +243,7 @@
           <a:p>
             <a:fld id="{E840E531-7FB3-40DC-B177-60199B2C652A}" type="datetimeFigureOut">
               <a:rPr lang="en-US" smtClean="0"/>
-              <a:t>8/3/2022</a:t>
+              <a:t>9/5/2022</a:t>
             </a:fld>
             <a:endParaRPr lang="en-US"/>
           </a:p>
@@ -294,7 +294,7 @@
     </p:spTree>
     <p:extLst>
       <p:ext uri="{BB962C8B-B14F-4D97-AF65-F5344CB8AC3E}">
-        <p14:creationId xmlns:p14="http://schemas.microsoft.com/office/powerpoint/2010/main" val="1790891323"/>
+        <p14:creationId xmlns:p14="http://schemas.microsoft.com/office/powerpoint/2010/main" val="3663295672"/>
       </p:ext>
     </p:extLst>
   </p:cSld>
@@ -413,7 +413,7 @@
           <a:p>
             <a:fld id="{E840E531-7FB3-40DC-B177-60199B2C652A}" type="datetimeFigureOut">
               <a:rPr lang="en-US" smtClean="0"/>
-              <a:t>8/3/2022</a:t>
+              <a:t>9/5/2022</a:t>
             </a:fld>
             <a:endParaRPr lang="en-US"/>
           </a:p>
@@ -464,7 +464,7 @@
     </p:spTree>
     <p:extLst>
       <p:ext uri="{BB962C8B-B14F-4D97-AF65-F5344CB8AC3E}">
-        <p14:creationId xmlns:p14="http://schemas.microsoft.com/office/powerpoint/2010/main" val="522004973"/>
+        <p14:creationId xmlns:p14="http://schemas.microsoft.com/office/powerpoint/2010/main" val="3022888988"/>
       </p:ext>
     </p:extLst>
   </p:cSld>
@@ -503,8 +503,8 @@
         </p:nvSpPr>
         <p:spPr>
           <a:xfrm>
-            <a:off x="9815513" y="973667"/>
-            <a:ext cx="2957513" cy="15498235"/>
+            <a:off x="5889308" y="523346"/>
+            <a:ext cx="1774508" cy="8330301"/>
           </a:xfrm>
         </p:spPr>
         <p:txBody>
@@ -531,8 +531,8 @@
         </p:nvSpPr>
         <p:spPr>
           <a:xfrm>
-            <a:off x="942976" y="973667"/>
-            <a:ext cx="8701088" cy="15498235"/>
+            <a:off x="565785" y="523346"/>
+            <a:ext cx="5220653" cy="8330301"/>
           </a:xfrm>
         </p:spPr>
         <p:txBody>
@@ -593,7 +593,7 @@
           <a:p>
             <a:fld id="{E840E531-7FB3-40DC-B177-60199B2C652A}" type="datetimeFigureOut">
               <a:rPr lang="en-US" smtClean="0"/>
-              <a:t>8/3/2022</a:t>
+              <a:t>9/5/2022</a:t>
             </a:fld>
             <a:endParaRPr lang="en-US"/>
           </a:p>
@@ -644,7 +644,7 @@
     </p:spTree>
     <p:extLst>
       <p:ext uri="{BB962C8B-B14F-4D97-AF65-F5344CB8AC3E}">
-        <p14:creationId xmlns:p14="http://schemas.microsoft.com/office/powerpoint/2010/main" val="2934212500"/>
+        <p14:creationId xmlns:p14="http://schemas.microsoft.com/office/powerpoint/2010/main" val="828195633"/>
       </p:ext>
     </p:extLst>
   </p:cSld>
@@ -763,7 +763,7 @@
           <a:p>
             <a:fld id="{E840E531-7FB3-40DC-B177-60199B2C652A}" type="datetimeFigureOut">
               <a:rPr lang="en-US" smtClean="0"/>
-              <a:t>8/3/2022</a:t>
+              <a:t>9/5/2022</a:t>
             </a:fld>
             <a:endParaRPr lang="en-US"/>
           </a:p>
@@ -814,7 +814,7 @@
     </p:spTree>
     <p:extLst>
       <p:ext uri="{BB962C8B-B14F-4D97-AF65-F5344CB8AC3E}">
-        <p14:creationId xmlns:p14="http://schemas.microsoft.com/office/powerpoint/2010/main" val="3944989801"/>
+        <p14:creationId xmlns:p14="http://schemas.microsoft.com/office/powerpoint/2010/main" val="1473890768"/>
       </p:ext>
     </p:extLst>
   </p:cSld>
@@ -853,15 +853,15 @@
         </p:nvSpPr>
         <p:spPr>
           <a:xfrm>
-            <a:off x="935832" y="4559305"/>
-            <a:ext cx="11830050" cy="7607299"/>
+            <a:off x="561499" y="2450627"/>
+            <a:ext cx="7098030" cy="4088923"/>
           </a:xfrm>
         </p:spPr>
         <p:txBody>
           <a:bodyPr anchor="b"/>
           <a:lstStyle>
             <a:lvl1pPr>
-              <a:defRPr sz="9000"/>
+              <a:defRPr sz="5400"/>
             </a:lvl1pPr>
           </a:lstStyle>
           <a:p>
@@ -885,8 +885,8 @@
         </p:nvSpPr>
         <p:spPr>
           <a:xfrm>
-            <a:off x="935832" y="12238572"/>
-            <a:ext cx="11830050" cy="4000499"/>
+            <a:off x="561499" y="6578232"/>
+            <a:ext cx="7098030" cy="2150268"/>
           </a:xfrm>
         </p:spPr>
         <p:txBody>
@@ -894,15 +894,15 @@
           <a:lstStyle>
             <a:lvl1pPr marL="0" indent="0">
               <a:buNone/>
-              <a:defRPr sz="3600">
+              <a:defRPr sz="2160">
                 <a:solidFill>
                   <a:schemeClr val="tx1"/>
                 </a:solidFill>
               </a:defRPr>
             </a:lvl1pPr>
-            <a:lvl2pPr marL="685800" indent="0">
-              <a:buNone/>
-              <a:defRPr sz="3000">
+            <a:lvl2pPr marL="411480" indent="0">
+              <a:buNone/>
+              <a:defRPr sz="1800">
                 <a:solidFill>
                   <a:schemeClr val="tx1">
                     <a:tint val="75000"/>
@@ -910,9 +910,9 @@
                 </a:solidFill>
               </a:defRPr>
             </a:lvl2pPr>
-            <a:lvl3pPr marL="1371600" indent="0">
-              <a:buNone/>
-              <a:defRPr sz="2700">
+            <a:lvl3pPr marL="822960" indent="0">
+              <a:buNone/>
+              <a:defRPr sz="1620">
                 <a:solidFill>
                   <a:schemeClr val="tx1">
                     <a:tint val="75000"/>
@@ -920,9 +920,9 @@
                 </a:solidFill>
               </a:defRPr>
             </a:lvl3pPr>
-            <a:lvl4pPr marL="2057400" indent="0">
-              <a:buNone/>
-              <a:defRPr sz="2400">
+            <a:lvl4pPr marL="1234440" indent="0">
+              <a:buNone/>
+              <a:defRPr sz="1440">
                 <a:solidFill>
                   <a:schemeClr val="tx1">
                     <a:tint val="75000"/>
@@ -930,9 +930,9 @@
                 </a:solidFill>
               </a:defRPr>
             </a:lvl4pPr>
-            <a:lvl5pPr marL="2743200" indent="0">
-              <a:buNone/>
-              <a:defRPr sz="2400">
+            <a:lvl5pPr marL="1645920" indent="0">
+              <a:buNone/>
+              <a:defRPr sz="1440">
                 <a:solidFill>
                   <a:schemeClr val="tx1">
                     <a:tint val="75000"/>
@@ -940,9 +940,9 @@
                 </a:solidFill>
               </a:defRPr>
             </a:lvl5pPr>
-            <a:lvl6pPr marL="3429000" indent="0">
-              <a:buNone/>
-              <a:defRPr sz="2400">
+            <a:lvl6pPr marL="2057400" indent="0">
+              <a:buNone/>
+              <a:defRPr sz="1440">
                 <a:solidFill>
                   <a:schemeClr val="tx1">
                     <a:tint val="75000"/>
@@ -950,9 +950,9 @@
                 </a:solidFill>
               </a:defRPr>
             </a:lvl6pPr>
-            <a:lvl7pPr marL="4114800" indent="0">
-              <a:buNone/>
-              <a:defRPr sz="2400">
+            <a:lvl7pPr marL="2468880" indent="0">
+              <a:buNone/>
+              <a:defRPr sz="1440">
                 <a:solidFill>
                   <a:schemeClr val="tx1">
                     <a:tint val="75000"/>
@@ -960,9 +960,9 @@
                 </a:solidFill>
               </a:defRPr>
             </a:lvl7pPr>
-            <a:lvl8pPr marL="4800600" indent="0">
-              <a:buNone/>
-              <a:defRPr sz="2400">
+            <a:lvl8pPr marL="2880360" indent="0">
+              <a:buNone/>
+              <a:defRPr sz="1440">
                 <a:solidFill>
                   <a:schemeClr val="tx1">
                     <a:tint val="75000"/>
@@ -970,9 +970,9 @@
                 </a:solidFill>
               </a:defRPr>
             </a:lvl8pPr>
-            <a:lvl9pPr marL="5486400" indent="0">
-              <a:buNone/>
-              <a:defRPr sz="2400">
+            <a:lvl9pPr marL="3291840" indent="0">
+              <a:buNone/>
+              <a:defRPr sz="1440">
                 <a:solidFill>
                   <a:schemeClr val="tx1">
                     <a:tint val="75000"/>
@@ -1007,7 +1007,7 @@
           <a:p>
             <a:fld id="{E840E531-7FB3-40DC-B177-60199B2C652A}" type="datetimeFigureOut">
               <a:rPr lang="en-US" smtClean="0"/>
-              <a:t>8/3/2022</a:t>
+              <a:t>9/5/2022</a:t>
             </a:fld>
             <a:endParaRPr lang="en-US"/>
           </a:p>
@@ -1058,7 +1058,7 @@
     </p:spTree>
     <p:extLst>
       <p:ext uri="{BB962C8B-B14F-4D97-AF65-F5344CB8AC3E}">
-        <p14:creationId xmlns:p14="http://schemas.microsoft.com/office/powerpoint/2010/main" val="3943859007"/>
+        <p14:creationId xmlns:p14="http://schemas.microsoft.com/office/powerpoint/2010/main" val="2102109031"/>
       </p:ext>
     </p:extLst>
   </p:cSld>
@@ -1120,8 +1120,8 @@
         </p:nvSpPr>
         <p:spPr>
           <a:xfrm>
-            <a:off x="942975" y="4868333"/>
-            <a:ext cx="5829300" cy="11603568"/>
+            <a:off x="565785" y="2616729"/>
+            <a:ext cx="3497580" cy="6236918"/>
           </a:xfrm>
         </p:spPr>
         <p:txBody>
@@ -1177,8 +1177,8 @@
         </p:nvSpPr>
         <p:spPr>
           <a:xfrm>
-            <a:off x="6943725" y="4868333"/>
-            <a:ext cx="5829300" cy="11603568"/>
+            <a:off x="4166235" y="2616729"/>
+            <a:ext cx="3497580" cy="6236918"/>
           </a:xfrm>
         </p:spPr>
         <p:txBody>
@@ -1239,7 +1239,7 @@
           <a:p>
             <a:fld id="{E840E531-7FB3-40DC-B177-60199B2C652A}" type="datetimeFigureOut">
               <a:rPr lang="en-US" smtClean="0"/>
-              <a:t>8/3/2022</a:t>
+              <a:t>9/5/2022</a:t>
             </a:fld>
             <a:endParaRPr lang="en-US"/>
           </a:p>
@@ -1290,7 +1290,7 @@
     </p:spTree>
     <p:extLst>
       <p:ext uri="{BB962C8B-B14F-4D97-AF65-F5344CB8AC3E}">
-        <p14:creationId xmlns:p14="http://schemas.microsoft.com/office/powerpoint/2010/main" val="725817182"/>
+        <p14:creationId xmlns:p14="http://schemas.microsoft.com/office/powerpoint/2010/main" val="2906780212"/>
       </p:ext>
     </p:extLst>
   </p:cSld>
@@ -1329,8 +1329,8 @@
         </p:nvSpPr>
         <p:spPr>
           <a:xfrm>
-            <a:off x="944762" y="973671"/>
-            <a:ext cx="11830050" cy="3534835"/>
+            <a:off x="566857" y="523348"/>
+            <a:ext cx="7098030" cy="1899974"/>
           </a:xfrm>
         </p:spPr>
         <p:txBody>
@@ -1357,8 +1357,8 @@
         </p:nvSpPr>
         <p:spPr>
           <a:xfrm>
-            <a:off x="944763" y="4483101"/>
-            <a:ext cx="5802510" cy="2197099"/>
+            <a:off x="566858" y="2409667"/>
+            <a:ext cx="3481506" cy="1180941"/>
           </a:xfrm>
         </p:spPr>
         <p:txBody>
@@ -1366,39 +1366,39 @@
           <a:lstStyle>
             <a:lvl1pPr marL="0" indent="0">
               <a:buNone/>
-              <a:defRPr sz="3600" b="1"/>
+              <a:defRPr sz="2160" b="1"/>
             </a:lvl1pPr>
-            <a:lvl2pPr marL="685800" indent="0">
-              <a:buNone/>
-              <a:defRPr sz="3000" b="1"/>
+            <a:lvl2pPr marL="411480" indent="0">
+              <a:buNone/>
+              <a:defRPr sz="1800" b="1"/>
             </a:lvl2pPr>
-            <a:lvl3pPr marL="1371600" indent="0">
-              <a:buNone/>
-              <a:defRPr sz="2700" b="1"/>
+            <a:lvl3pPr marL="822960" indent="0">
+              <a:buNone/>
+              <a:defRPr sz="1620" b="1"/>
             </a:lvl3pPr>
-            <a:lvl4pPr marL="2057400" indent="0">
-              <a:buNone/>
-              <a:defRPr sz="2400" b="1"/>
+            <a:lvl4pPr marL="1234440" indent="0">
+              <a:buNone/>
+              <a:defRPr sz="1440" b="1"/>
             </a:lvl4pPr>
-            <a:lvl5pPr marL="2743200" indent="0">
-              <a:buNone/>
-              <a:defRPr sz="2400" b="1"/>
+            <a:lvl5pPr marL="1645920" indent="0">
+              <a:buNone/>
+              <a:defRPr sz="1440" b="1"/>
             </a:lvl5pPr>
-            <a:lvl6pPr marL="3429000" indent="0">
-              <a:buNone/>
-              <a:defRPr sz="2400" b="1"/>
+            <a:lvl6pPr marL="2057400" indent="0">
+              <a:buNone/>
+              <a:defRPr sz="1440" b="1"/>
             </a:lvl6pPr>
-            <a:lvl7pPr marL="4114800" indent="0">
-              <a:buNone/>
-              <a:defRPr sz="2400" b="1"/>
+            <a:lvl7pPr marL="2468880" indent="0">
+              <a:buNone/>
+              <a:defRPr sz="1440" b="1"/>
             </a:lvl7pPr>
-            <a:lvl8pPr marL="4800600" indent="0">
-              <a:buNone/>
-              <a:defRPr sz="2400" b="1"/>
+            <a:lvl8pPr marL="2880360" indent="0">
+              <a:buNone/>
+              <a:defRPr sz="1440" b="1"/>
             </a:lvl8pPr>
-            <a:lvl9pPr marL="5486400" indent="0">
-              <a:buNone/>
-              <a:defRPr sz="2400" b="1"/>
+            <a:lvl9pPr marL="3291840" indent="0">
+              <a:buNone/>
+              <a:defRPr sz="1440" b="1"/>
             </a:lvl9pPr>
           </a:lstStyle>
           <a:p>
@@ -1422,8 +1422,8 @@
         </p:nvSpPr>
         <p:spPr>
           <a:xfrm>
-            <a:off x="944763" y="6680200"/>
-            <a:ext cx="5802510" cy="9825568"/>
+            <a:off x="566858" y="3590607"/>
+            <a:ext cx="3481506" cy="5281243"/>
           </a:xfrm>
         </p:spPr>
         <p:txBody>
@@ -1479,8 +1479,8 @@
         </p:nvSpPr>
         <p:spPr>
           <a:xfrm>
-            <a:off x="6943726" y="4483101"/>
-            <a:ext cx="5831087" cy="2197099"/>
+            <a:off x="4166235" y="2409667"/>
+            <a:ext cx="3498652" cy="1180941"/>
           </a:xfrm>
         </p:spPr>
         <p:txBody>
@@ -1488,39 +1488,39 @@
           <a:lstStyle>
             <a:lvl1pPr marL="0" indent="0">
               <a:buNone/>
-              <a:defRPr sz="3600" b="1"/>
+              <a:defRPr sz="2160" b="1"/>
             </a:lvl1pPr>
-            <a:lvl2pPr marL="685800" indent="0">
-              <a:buNone/>
-              <a:defRPr sz="3000" b="1"/>
+            <a:lvl2pPr marL="411480" indent="0">
+              <a:buNone/>
+              <a:defRPr sz="1800" b="1"/>
             </a:lvl2pPr>
-            <a:lvl3pPr marL="1371600" indent="0">
-              <a:buNone/>
-              <a:defRPr sz="2700" b="1"/>
+            <a:lvl3pPr marL="822960" indent="0">
+              <a:buNone/>
+              <a:defRPr sz="1620" b="1"/>
             </a:lvl3pPr>
-            <a:lvl4pPr marL="2057400" indent="0">
-              <a:buNone/>
-              <a:defRPr sz="2400" b="1"/>
+            <a:lvl4pPr marL="1234440" indent="0">
+              <a:buNone/>
+              <a:defRPr sz="1440" b="1"/>
             </a:lvl4pPr>
-            <a:lvl5pPr marL="2743200" indent="0">
-              <a:buNone/>
-              <a:defRPr sz="2400" b="1"/>
+            <a:lvl5pPr marL="1645920" indent="0">
+              <a:buNone/>
+              <a:defRPr sz="1440" b="1"/>
             </a:lvl5pPr>
-            <a:lvl6pPr marL="3429000" indent="0">
-              <a:buNone/>
-              <a:defRPr sz="2400" b="1"/>
+            <a:lvl6pPr marL="2057400" indent="0">
+              <a:buNone/>
+              <a:defRPr sz="1440" b="1"/>
             </a:lvl6pPr>
-            <a:lvl7pPr marL="4114800" indent="0">
-              <a:buNone/>
-              <a:defRPr sz="2400" b="1"/>
+            <a:lvl7pPr marL="2468880" indent="0">
+              <a:buNone/>
+              <a:defRPr sz="1440" b="1"/>
             </a:lvl7pPr>
-            <a:lvl8pPr marL="4800600" indent="0">
-              <a:buNone/>
-              <a:defRPr sz="2400" b="1"/>
+            <a:lvl8pPr marL="2880360" indent="0">
+              <a:buNone/>
+              <a:defRPr sz="1440" b="1"/>
             </a:lvl8pPr>
-            <a:lvl9pPr marL="5486400" indent="0">
-              <a:buNone/>
-              <a:defRPr sz="2400" b="1"/>
+            <a:lvl9pPr marL="3291840" indent="0">
+              <a:buNone/>
+              <a:defRPr sz="1440" b="1"/>
             </a:lvl9pPr>
           </a:lstStyle>
           <a:p>
@@ -1544,8 +1544,8 @@
         </p:nvSpPr>
         <p:spPr>
           <a:xfrm>
-            <a:off x="6943726" y="6680200"/>
-            <a:ext cx="5831087" cy="9825568"/>
+            <a:off x="4166235" y="3590607"/>
+            <a:ext cx="3498652" cy="5281243"/>
           </a:xfrm>
         </p:spPr>
         <p:txBody>
@@ -1606,7 +1606,7 @@
           <a:p>
             <a:fld id="{E840E531-7FB3-40DC-B177-60199B2C652A}" type="datetimeFigureOut">
               <a:rPr lang="en-US" smtClean="0"/>
-              <a:t>8/3/2022</a:t>
+              <a:t>9/5/2022</a:t>
             </a:fld>
             <a:endParaRPr lang="en-US"/>
           </a:p>
@@ -1657,7 +1657,7 @@
     </p:spTree>
     <p:extLst>
       <p:ext uri="{BB962C8B-B14F-4D97-AF65-F5344CB8AC3E}">
-        <p14:creationId xmlns:p14="http://schemas.microsoft.com/office/powerpoint/2010/main" val="2768770703"/>
+        <p14:creationId xmlns:p14="http://schemas.microsoft.com/office/powerpoint/2010/main" val="2108892303"/>
       </p:ext>
     </p:extLst>
   </p:cSld>
@@ -1724,7 +1724,7 @@
           <a:p>
             <a:fld id="{E840E531-7FB3-40DC-B177-60199B2C652A}" type="datetimeFigureOut">
               <a:rPr lang="en-US" smtClean="0"/>
-              <a:t>8/3/2022</a:t>
+              <a:t>9/5/2022</a:t>
             </a:fld>
             <a:endParaRPr lang="en-US"/>
           </a:p>
@@ -1775,7 +1775,7 @@
     </p:spTree>
     <p:extLst>
       <p:ext uri="{BB962C8B-B14F-4D97-AF65-F5344CB8AC3E}">
-        <p14:creationId xmlns:p14="http://schemas.microsoft.com/office/powerpoint/2010/main" val="2423507107"/>
+        <p14:creationId xmlns:p14="http://schemas.microsoft.com/office/powerpoint/2010/main" val="3226169184"/>
       </p:ext>
     </p:extLst>
   </p:cSld>
@@ -1819,7 +1819,7 @@
           <a:p>
             <a:fld id="{E840E531-7FB3-40DC-B177-60199B2C652A}" type="datetimeFigureOut">
               <a:rPr lang="en-US" smtClean="0"/>
-              <a:t>8/3/2022</a:t>
+              <a:t>9/5/2022</a:t>
             </a:fld>
             <a:endParaRPr lang="en-US"/>
           </a:p>
@@ -1870,7 +1870,7 @@
     </p:spTree>
     <p:extLst>
       <p:ext uri="{BB962C8B-B14F-4D97-AF65-F5344CB8AC3E}">
-        <p14:creationId xmlns:p14="http://schemas.microsoft.com/office/powerpoint/2010/main" val="662404175"/>
+        <p14:creationId xmlns:p14="http://schemas.microsoft.com/office/powerpoint/2010/main" val="2299367249"/>
       </p:ext>
     </p:extLst>
   </p:cSld>
@@ -1909,15 +1909,15 @@
         </p:nvSpPr>
         <p:spPr>
           <a:xfrm>
-            <a:off x="944762" y="1219200"/>
-            <a:ext cx="4423767" cy="4267200"/>
+            <a:off x="566857" y="655320"/>
+            <a:ext cx="2654260" cy="2293620"/>
           </a:xfrm>
         </p:spPr>
         <p:txBody>
           <a:bodyPr anchor="b"/>
           <a:lstStyle>
             <a:lvl1pPr>
-              <a:defRPr sz="4800"/>
+              <a:defRPr sz="2880"/>
             </a:lvl1pPr>
           </a:lstStyle>
           <a:p>
@@ -1941,39 +1941,39 @@
         </p:nvSpPr>
         <p:spPr>
           <a:xfrm>
-            <a:off x="5831087" y="2633138"/>
-            <a:ext cx="6943725" cy="12996333"/>
+            <a:off x="3498652" y="1415311"/>
+            <a:ext cx="4166235" cy="6985529"/>
           </a:xfrm>
         </p:spPr>
         <p:txBody>
           <a:bodyPr/>
           <a:lstStyle>
             <a:lvl1pPr>
-              <a:defRPr sz="4800"/>
+              <a:defRPr sz="2880"/>
             </a:lvl1pPr>
             <a:lvl2pPr>
-              <a:defRPr sz="4200"/>
+              <a:defRPr sz="2520"/>
             </a:lvl2pPr>
             <a:lvl3pPr>
-              <a:defRPr sz="3600"/>
+              <a:defRPr sz="2160"/>
             </a:lvl3pPr>
             <a:lvl4pPr>
-              <a:defRPr sz="3000"/>
+              <a:defRPr sz="1800"/>
             </a:lvl4pPr>
             <a:lvl5pPr>
-              <a:defRPr sz="3000"/>
+              <a:defRPr sz="1800"/>
             </a:lvl5pPr>
             <a:lvl6pPr>
-              <a:defRPr sz="3000"/>
+              <a:defRPr sz="1800"/>
             </a:lvl6pPr>
             <a:lvl7pPr>
-              <a:defRPr sz="3000"/>
+              <a:defRPr sz="1800"/>
             </a:lvl7pPr>
             <a:lvl8pPr>
-              <a:defRPr sz="3000"/>
+              <a:defRPr sz="1800"/>
             </a:lvl8pPr>
             <a:lvl9pPr>
-              <a:defRPr sz="3000"/>
+              <a:defRPr sz="1800"/>
             </a:lvl9pPr>
           </a:lstStyle>
           <a:p>
@@ -2026,8 +2026,8 @@
         </p:nvSpPr>
         <p:spPr>
           <a:xfrm>
-            <a:off x="944762" y="5486400"/>
-            <a:ext cx="4423767" cy="10164235"/>
+            <a:off x="566857" y="2948940"/>
+            <a:ext cx="2654260" cy="5463276"/>
           </a:xfrm>
         </p:spPr>
         <p:txBody>
@@ -2035,39 +2035,39 @@
           <a:lstStyle>
             <a:lvl1pPr marL="0" indent="0">
               <a:buNone/>
-              <a:defRPr sz="2400"/>
+              <a:defRPr sz="1440"/>
             </a:lvl1pPr>
-            <a:lvl2pPr marL="685800" indent="0">
-              <a:buNone/>
-              <a:defRPr sz="2100"/>
+            <a:lvl2pPr marL="411480" indent="0">
+              <a:buNone/>
+              <a:defRPr sz="1260"/>
             </a:lvl2pPr>
-            <a:lvl3pPr marL="1371600" indent="0">
-              <a:buNone/>
-              <a:defRPr sz="1800"/>
+            <a:lvl3pPr marL="822960" indent="0">
+              <a:buNone/>
+              <a:defRPr sz="1080"/>
             </a:lvl3pPr>
-            <a:lvl4pPr marL="2057400" indent="0">
-              <a:buNone/>
-              <a:defRPr sz="1500"/>
+            <a:lvl4pPr marL="1234440" indent="0">
+              <a:buNone/>
+              <a:defRPr sz="900"/>
             </a:lvl4pPr>
-            <a:lvl5pPr marL="2743200" indent="0">
-              <a:buNone/>
-              <a:defRPr sz="1500"/>
+            <a:lvl5pPr marL="1645920" indent="0">
+              <a:buNone/>
+              <a:defRPr sz="900"/>
             </a:lvl5pPr>
-            <a:lvl6pPr marL="3429000" indent="0">
-              <a:buNone/>
-              <a:defRPr sz="1500"/>
+            <a:lvl6pPr marL="2057400" indent="0">
+              <a:buNone/>
+              <a:defRPr sz="900"/>
             </a:lvl6pPr>
-            <a:lvl7pPr marL="4114800" indent="0">
-              <a:buNone/>
-              <a:defRPr sz="1500"/>
+            <a:lvl7pPr marL="2468880" indent="0">
+              <a:buNone/>
+              <a:defRPr sz="900"/>
             </a:lvl7pPr>
-            <a:lvl8pPr marL="4800600" indent="0">
-              <a:buNone/>
-              <a:defRPr sz="1500"/>
+            <a:lvl8pPr marL="2880360" indent="0">
+              <a:buNone/>
+              <a:defRPr sz="900"/>
             </a:lvl8pPr>
-            <a:lvl9pPr marL="5486400" indent="0">
-              <a:buNone/>
-              <a:defRPr sz="1500"/>
+            <a:lvl9pPr marL="3291840" indent="0">
+              <a:buNone/>
+              <a:defRPr sz="900"/>
             </a:lvl9pPr>
           </a:lstStyle>
           <a:p>
@@ -2096,7 +2096,7 @@
           <a:p>
             <a:fld id="{E840E531-7FB3-40DC-B177-60199B2C652A}" type="datetimeFigureOut">
               <a:rPr lang="en-US" smtClean="0"/>
-              <a:t>8/3/2022</a:t>
+              <a:t>9/5/2022</a:t>
             </a:fld>
             <a:endParaRPr lang="en-US"/>
           </a:p>
@@ -2147,7 +2147,7 @@
     </p:spTree>
     <p:extLst>
       <p:ext uri="{BB962C8B-B14F-4D97-AF65-F5344CB8AC3E}">
-        <p14:creationId xmlns:p14="http://schemas.microsoft.com/office/powerpoint/2010/main" val="1214545195"/>
+        <p14:creationId xmlns:p14="http://schemas.microsoft.com/office/powerpoint/2010/main" val="3147503606"/>
       </p:ext>
     </p:extLst>
   </p:cSld>
@@ -2186,15 +2186,15 @@
         </p:nvSpPr>
         <p:spPr>
           <a:xfrm>
-            <a:off x="944762" y="1219200"/>
-            <a:ext cx="4423767" cy="4267200"/>
+            <a:off x="566857" y="655320"/>
+            <a:ext cx="2654260" cy="2293620"/>
           </a:xfrm>
         </p:spPr>
         <p:txBody>
           <a:bodyPr anchor="b"/>
           <a:lstStyle>
             <a:lvl1pPr>
-              <a:defRPr sz="4800"/>
+              <a:defRPr sz="2880"/>
             </a:lvl1pPr>
           </a:lstStyle>
           <a:p>
@@ -2218,8 +2218,8 @@
         </p:nvSpPr>
         <p:spPr>
           <a:xfrm>
-            <a:off x="5831087" y="2633138"/>
-            <a:ext cx="6943725" cy="12996333"/>
+            <a:off x="3498652" y="1415311"/>
+            <a:ext cx="4166235" cy="6985529"/>
           </a:xfrm>
         </p:spPr>
         <p:txBody>
@@ -2227,39 +2227,39 @@
           <a:lstStyle>
             <a:lvl1pPr marL="0" indent="0">
               <a:buNone/>
-              <a:defRPr sz="4800"/>
+              <a:defRPr sz="2880"/>
             </a:lvl1pPr>
-            <a:lvl2pPr marL="685800" indent="0">
-              <a:buNone/>
-              <a:defRPr sz="4200"/>
+            <a:lvl2pPr marL="411480" indent="0">
+              <a:buNone/>
+              <a:defRPr sz="2520"/>
             </a:lvl2pPr>
-            <a:lvl3pPr marL="1371600" indent="0">
-              <a:buNone/>
-              <a:defRPr sz="3600"/>
+            <a:lvl3pPr marL="822960" indent="0">
+              <a:buNone/>
+              <a:defRPr sz="2160"/>
             </a:lvl3pPr>
-            <a:lvl4pPr marL="2057400" indent="0">
-              <a:buNone/>
-              <a:defRPr sz="3000"/>
+            <a:lvl4pPr marL="1234440" indent="0">
+              <a:buNone/>
+              <a:defRPr sz="1800"/>
             </a:lvl4pPr>
-            <a:lvl5pPr marL="2743200" indent="0">
-              <a:buNone/>
-              <a:defRPr sz="3000"/>
+            <a:lvl5pPr marL="1645920" indent="0">
+              <a:buNone/>
+              <a:defRPr sz="1800"/>
             </a:lvl5pPr>
-            <a:lvl6pPr marL="3429000" indent="0">
-              <a:buNone/>
-              <a:defRPr sz="3000"/>
+            <a:lvl6pPr marL="2057400" indent="0">
+              <a:buNone/>
+              <a:defRPr sz="1800"/>
             </a:lvl6pPr>
-            <a:lvl7pPr marL="4114800" indent="0">
-              <a:buNone/>
-              <a:defRPr sz="3000"/>
+            <a:lvl7pPr marL="2468880" indent="0">
+              <a:buNone/>
+              <a:defRPr sz="1800"/>
             </a:lvl7pPr>
-            <a:lvl8pPr marL="4800600" indent="0">
-              <a:buNone/>
-              <a:defRPr sz="3000"/>
+            <a:lvl8pPr marL="2880360" indent="0">
+              <a:buNone/>
+              <a:defRPr sz="1800"/>
             </a:lvl8pPr>
-            <a:lvl9pPr marL="5486400" indent="0">
-              <a:buNone/>
-              <a:defRPr sz="3000"/>
+            <a:lvl9pPr marL="3291840" indent="0">
+              <a:buNone/>
+              <a:defRPr sz="1800"/>
             </a:lvl9pPr>
           </a:lstStyle>
           <a:p>
@@ -2283,8 +2283,8 @@
         </p:nvSpPr>
         <p:spPr>
           <a:xfrm>
-            <a:off x="944762" y="5486400"/>
-            <a:ext cx="4423767" cy="10164235"/>
+            <a:off x="566857" y="2948940"/>
+            <a:ext cx="2654260" cy="5463276"/>
           </a:xfrm>
         </p:spPr>
         <p:txBody>
@@ -2292,39 +2292,39 @@
           <a:lstStyle>
             <a:lvl1pPr marL="0" indent="0">
               <a:buNone/>
-              <a:defRPr sz="2400"/>
+              <a:defRPr sz="1440"/>
             </a:lvl1pPr>
-            <a:lvl2pPr marL="685800" indent="0">
-              <a:buNone/>
-              <a:defRPr sz="2100"/>
+            <a:lvl2pPr marL="411480" indent="0">
+              <a:buNone/>
+              <a:defRPr sz="1260"/>
             </a:lvl2pPr>
-            <a:lvl3pPr marL="1371600" indent="0">
-              <a:buNone/>
-              <a:defRPr sz="1800"/>
+            <a:lvl3pPr marL="822960" indent="0">
+              <a:buNone/>
+              <a:defRPr sz="1080"/>
             </a:lvl3pPr>
-            <a:lvl4pPr marL="2057400" indent="0">
-              <a:buNone/>
-              <a:defRPr sz="1500"/>
+            <a:lvl4pPr marL="1234440" indent="0">
+              <a:buNone/>
+              <a:defRPr sz="900"/>
             </a:lvl4pPr>
-            <a:lvl5pPr marL="2743200" indent="0">
-              <a:buNone/>
-              <a:defRPr sz="1500"/>
+            <a:lvl5pPr marL="1645920" indent="0">
+              <a:buNone/>
+              <a:defRPr sz="900"/>
             </a:lvl5pPr>
-            <a:lvl6pPr marL="3429000" indent="0">
-              <a:buNone/>
-              <a:defRPr sz="1500"/>
+            <a:lvl6pPr marL="2057400" indent="0">
+              <a:buNone/>
+              <a:defRPr sz="900"/>
             </a:lvl6pPr>
-            <a:lvl7pPr marL="4114800" indent="0">
-              <a:buNone/>
-              <a:defRPr sz="1500"/>
+            <a:lvl7pPr marL="2468880" indent="0">
+              <a:buNone/>
+              <a:defRPr sz="900"/>
             </a:lvl7pPr>
-            <a:lvl8pPr marL="4800600" indent="0">
-              <a:buNone/>
-              <a:defRPr sz="1500"/>
+            <a:lvl8pPr marL="2880360" indent="0">
+              <a:buNone/>
+              <a:defRPr sz="900"/>
             </a:lvl8pPr>
-            <a:lvl9pPr marL="5486400" indent="0">
-              <a:buNone/>
-              <a:defRPr sz="1500"/>
+            <a:lvl9pPr marL="3291840" indent="0">
+              <a:buNone/>
+              <a:defRPr sz="900"/>
             </a:lvl9pPr>
           </a:lstStyle>
           <a:p>
@@ -2353,7 +2353,7 @@
           <a:p>
             <a:fld id="{E840E531-7FB3-40DC-B177-60199B2C652A}" type="datetimeFigureOut">
               <a:rPr lang="en-US" smtClean="0"/>
-              <a:t>8/3/2022</a:t>
+              <a:t>9/5/2022</a:t>
             </a:fld>
             <a:endParaRPr lang="en-US"/>
           </a:p>
@@ -2404,7 +2404,7 @@
     </p:spTree>
     <p:extLst>
       <p:ext uri="{BB962C8B-B14F-4D97-AF65-F5344CB8AC3E}">
-        <p14:creationId xmlns:p14="http://schemas.microsoft.com/office/powerpoint/2010/main" val="829988864"/>
+        <p14:creationId xmlns:p14="http://schemas.microsoft.com/office/powerpoint/2010/main" val="75451919"/>
       </p:ext>
     </p:extLst>
   </p:cSld>
@@ -2448,8 +2448,8 @@
         </p:nvSpPr>
         <p:spPr>
           <a:xfrm>
-            <a:off x="942975" y="973671"/>
-            <a:ext cx="11830050" cy="3534835"/>
+            <a:off x="565785" y="523348"/>
+            <a:ext cx="7098030" cy="1899974"/>
           </a:xfrm>
           <a:prstGeom prst="rect">
             <a:avLst/>
@@ -2481,8 +2481,8 @@
         </p:nvSpPr>
         <p:spPr>
           <a:xfrm>
-            <a:off x="942975" y="4868333"/>
-            <a:ext cx="11830050" cy="11603568"/>
+            <a:off x="565785" y="2616729"/>
+            <a:ext cx="7098030" cy="6236918"/>
           </a:xfrm>
           <a:prstGeom prst="rect">
             <a:avLst/>
@@ -2543,8 +2543,8 @@
         </p:nvSpPr>
         <p:spPr>
           <a:xfrm>
-            <a:off x="942975" y="16950271"/>
-            <a:ext cx="3086100" cy="973667"/>
+            <a:off x="565785" y="9110770"/>
+            <a:ext cx="1851660" cy="523346"/>
           </a:xfrm>
           <a:prstGeom prst="rect">
             <a:avLst/>
@@ -2554,7 +2554,7 @@
           <a:bodyPr vert="horz" lIns="91440" tIns="45720" rIns="91440" bIns="45720" rtlCol="0" anchor="ctr"/>
           <a:lstStyle>
             <a:lvl1pPr algn="l">
-              <a:defRPr sz="1800">
+              <a:defRPr sz="1080">
                 <a:solidFill>
                   <a:schemeClr val="tx1">
                     <a:tint val="75000"/>
@@ -2566,7 +2566,7 @@
           <a:p>
             <a:fld id="{E840E531-7FB3-40DC-B177-60199B2C652A}" type="datetimeFigureOut">
               <a:rPr lang="en-US" smtClean="0"/>
-              <a:t>8/3/2022</a:t>
+              <a:t>9/5/2022</a:t>
             </a:fld>
             <a:endParaRPr lang="en-US"/>
           </a:p>
@@ -2584,8 +2584,8 @@
         </p:nvSpPr>
         <p:spPr>
           <a:xfrm>
-            <a:off x="4543425" y="16950271"/>
-            <a:ext cx="4629150" cy="973667"/>
+            <a:off x="2726055" y="9110770"/>
+            <a:ext cx="2777490" cy="523346"/>
           </a:xfrm>
           <a:prstGeom prst="rect">
             <a:avLst/>
@@ -2595,7 +2595,7 @@
           <a:bodyPr vert="horz" lIns="91440" tIns="45720" rIns="91440" bIns="45720" rtlCol="0" anchor="ctr"/>
           <a:lstStyle>
             <a:lvl1pPr algn="ctr">
-              <a:defRPr sz="1800">
+              <a:defRPr sz="1080">
                 <a:solidFill>
                   <a:schemeClr val="tx1">
                     <a:tint val="75000"/>
@@ -2621,8 +2621,8 @@
         </p:nvSpPr>
         <p:spPr>
           <a:xfrm>
-            <a:off x="9686925" y="16950271"/>
-            <a:ext cx="3086100" cy="973667"/>
+            <a:off x="5812155" y="9110770"/>
+            <a:ext cx="1851660" cy="523346"/>
           </a:xfrm>
           <a:prstGeom prst="rect">
             <a:avLst/>
@@ -2632,7 +2632,7 @@
           <a:bodyPr vert="horz" lIns="91440" tIns="45720" rIns="91440" bIns="45720" rtlCol="0" anchor="ctr"/>
           <a:lstStyle>
             <a:lvl1pPr algn="r">
-              <a:defRPr sz="1800">
+              <a:defRPr sz="1080">
                 <a:solidFill>
                   <a:schemeClr val="tx1">
                     <a:tint val="75000"/>
@@ -2653,27 +2653,27 @@
     </p:spTree>
     <p:extLst>
       <p:ext uri="{BB962C8B-B14F-4D97-AF65-F5344CB8AC3E}">
-        <p14:creationId xmlns:p14="http://schemas.microsoft.com/office/powerpoint/2010/main" val="2128216698"/>
+        <p14:creationId xmlns:p14="http://schemas.microsoft.com/office/powerpoint/2010/main" val="592724029"/>
       </p:ext>
     </p:extLst>
   </p:cSld>
   <p:clrMap bg1="lt1" tx1="dk1" bg2="lt2" tx2="dk2" accent1="accent1" accent2="accent2" accent3="accent3" accent4="accent4" accent5="accent5" accent6="accent6" hlink="hlink" folHlink="folHlink"/>
   <p:sldLayoutIdLst>
-    <p:sldLayoutId id="2147483697" r:id="rId1"/>
-    <p:sldLayoutId id="2147483698" r:id="rId2"/>
-    <p:sldLayoutId id="2147483699" r:id="rId3"/>
-    <p:sldLayoutId id="2147483700" r:id="rId4"/>
-    <p:sldLayoutId id="2147483701" r:id="rId5"/>
-    <p:sldLayoutId id="2147483702" r:id="rId6"/>
-    <p:sldLayoutId id="2147483703" r:id="rId7"/>
-    <p:sldLayoutId id="2147483704" r:id="rId8"/>
-    <p:sldLayoutId id="2147483705" r:id="rId9"/>
-    <p:sldLayoutId id="2147483706" r:id="rId10"/>
-    <p:sldLayoutId id="2147483707" r:id="rId11"/>
+    <p:sldLayoutId id="2147483745" r:id="rId1"/>
+    <p:sldLayoutId id="2147483746" r:id="rId2"/>
+    <p:sldLayoutId id="2147483747" r:id="rId3"/>
+    <p:sldLayoutId id="2147483748" r:id="rId4"/>
+    <p:sldLayoutId id="2147483749" r:id="rId5"/>
+    <p:sldLayoutId id="2147483750" r:id="rId6"/>
+    <p:sldLayoutId id="2147483751" r:id="rId7"/>
+    <p:sldLayoutId id="2147483752" r:id="rId8"/>
+    <p:sldLayoutId id="2147483753" r:id="rId9"/>
+    <p:sldLayoutId id="2147483754" r:id="rId10"/>
+    <p:sldLayoutId id="2147483755" r:id="rId11"/>
   </p:sldLayoutIdLst>
   <p:txStyles>
     <p:titleStyle>
-      <a:lvl1pPr algn="l" defTabSz="1371600" rtl="0" eaLnBrk="1" latinLnBrk="0" hangingPunct="1">
+      <a:lvl1pPr algn="l" defTabSz="822960" rtl="0" eaLnBrk="1" latinLnBrk="0" hangingPunct="1">
         <a:lnSpc>
           <a:spcPct val="90000"/>
         </a:lnSpc>
@@ -2681,7 +2681,7 @@
           <a:spcPct val="0"/>
         </a:spcBef>
         <a:buNone/>
-        <a:defRPr sz="6600" kern="1200">
+        <a:defRPr sz="3960" kern="1200">
           <a:solidFill>
             <a:schemeClr val="tx1"/>
           </a:solidFill>
@@ -2692,16 +2692,16 @@
       </a:lvl1pPr>
     </p:titleStyle>
     <p:bodyStyle>
-      <a:lvl1pPr marL="342900" indent="-342900" algn="l" defTabSz="1371600" rtl="0" eaLnBrk="1" latinLnBrk="0" hangingPunct="1">
+      <a:lvl1pPr marL="205740" indent="-205740" algn="l" defTabSz="822960" rtl="0" eaLnBrk="1" latinLnBrk="0" hangingPunct="1">
         <a:lnSpc>
           <a:spcPct val="90000"/>
         </a:lnSpc>
         <a:spcBef>
-          <a:spcPts val="1500"/>
+          <a:spcPts val="900"/>
         </a:spcBef>
         <a:buFont typeface="Arial" panose="020B0604020202020204" pitchFamily="34" charset="0"/>
         <a:buChar char="•"/>
-        <a:defRPr sz="4200" kern="1200">
+        <a:defRPr sz="2520" kern="1200">
           <a:solidFill>
             <a:schemeClr val="tx1"/>
           </a:solidFill>
@@ -2710,16 +2710,16 @@
           <a:cs typeface="+mn-cs"/>
         </a:defRPr>
       </a:lvl1pPr>
-      <a:lvl2pPr marL="1028700" indent="-342900" algn="l" defTabSz="1371600" rtl="0" eaLnBrk="1" latinLnBrk="0" hangingPunct="1">
+      <a:lvl2pPr marL="617220" indent="-205740" algn="l" defTabSz="822960" rtl="0" eaLnBrk="1" latinLnBrk="0" hangingPunct="1">
         <a:lnSpc>
           <a:spcPct val="90000"/>
         </a:lnSpc>
         <a:spcBef>
-          <a:spcPts val="750"/>
+          <a:spcPts val="450"/>
         </a:spcBef>
         <a:buFont typeface="Arial" panose="020B0604020202020204" pitchFamily="34" charset="0"/>
         <a:buChar char="•"/>
-        <a:defRPr sz="3600" kern="1200">
+        <a:defRPr sz="2160" kern="1200">
           <a:solidFill>
             <a:schemeClr val="tx1"/>
           </a:solidFill>
@@ -2728,16 +2728,16 @@
           <a:cs typeface="+mn-cs"/>
         </a:defRPr>
       </a:lvl2pPr>
-      <a:lvl3pPr marL="1714500" indent="-342900" algn="l" defTabSz="1371600" rtl="0" eaLnBrk="1" latinLnBrk="0" hangingPunct="1">
+      <a:lvl3pPr marL="1028700" indent="-205740" algn="l" defTabSz="822960" rtl="0" eaLnBrk="1" latinLnBrk="0" hangingPunct="1">
         <a:lnSpc>
           <a:spcPct val="90000"/>
         </a:lnSpc>
         <a:spcBef>
-          <a:spcPts val="750"/>
+          <a:spcPts val="450"/>
         </a:spcBef>
         <a:buFont typeface="Arial" panose="020B0604020202020204" pitchFamily="34" charset="0"/>
         <a:buChar char="•"/>
-        <a:defRPr sz="3000" kern="1200">
+        <a:defRPr sz="1800" kern="1200">
           <a:solidFill>
             <a:schemeClr val="tx1"/>
           </a:solidFill>
@@ -2746,16 +2746,16 @@
           <a:cs typeface="+mn-cs"/>
         </a:defRPr>
       </a:lvl3pPr>
-      <a:lvl4pPr marL="2400300" indent="-342900" algn="l" defTabSz="1371600" rtl="0" eaLnBrk="1" latinLnBrk="0" hangingPunct="1">
+      <a:lvl4pPr marL="1440180" indent="-205740" algn="l" defTabSz="822960" rtl="0" eaLnBrk="1" latinLnBrk="0" hangingPunct="1">
         <a:lnSpc>
           <a:spcPct val="90000"/>
         </a:lnSpc>
         <a:spcBef>
-          <a:spcPts val="750"/>
+          <a:spcPts val="450"/>
         </a:spcBef>
         <a:buFont typeface="Arial" panose="020B0604020202020204" pitchFamily="34" charset="0"/>
         <a:buChar char="•"/>
-        <a:defRPr sz="2700" kern="1200">
+        <a:defRPr sz="1620" kern="1200">
           <a:solidFill>
             <a:schemeClr val="tx1"/>
           </a:solidFill>
@@ -2764,16 +2764,16 @@
           <a:cs typeface="+mn-cs"/>
         </a:defRPr>
       </a:lvl4pPr>
-      <a:lvl5pPr marL="3086100" indent="-342900" algn="l" defTabSz="1371600" rtl="0" eaLnBrk="1" latinLnBrk="0" hangingPunct="1">
+      <a:lvl5pPr marL="1851660" indent="-205740" algn="l" defTabSz="822960" rtl="0" eaLnBrk="1" latinLnBrk="0" hangingPunct="1">
         <a:lnSpc>
           <a:spcPct val="90000"/>
         </a:lnSpc>
         <a:spcBef>
-          <a:spcPts val="750"/>
+          <a:spcPts val="450"/>
         </a:spcBef>
         <a:buFont typeface="Arial" panose="020B0604020202020204" pitchFamily="34" charset="0"/>
         <a:buChar char="•"/>
-        <a:defRPr sz="2700" kern="1200">
+        <a:defRPr sz="1620" kern="1200">
           <a:solidFill>
             <a:schemeClr val="tx1"/>
           </a:solidFill>
@@ -2782,16 +2782,16 @@
           <a:cs typeface="+mn-cs"/>
         </a:defRPr>
       </a:lvl5pPr>
-      <a:lvl6pPr marL="3771900" indent="-342900" algn="l" defTabSz="1371600" rtl="0" eaLnBrk="1" latinLnBrk="0" hangingPunct="1">
+      <a:lvl6pPr marL="2263140" indent="-205740" algn="l" defTabSz="822960" rtl="0" eaLnBrk="1" latinLnBrk="0" hangingPunct="1">
         <a:lnSpc>
           <a:spcPct val="90000"/>
         </a:lnSpc>
         <a:spcBef>
-          <a:spcPts val="750"/>
+          <a:spcPts val="450"/>
         </a:spcBef>
         <a:buFont typeface="Arial" panose="020B0604020202020204" pitchFamily="34" charset="0"/>
         <a:buChar char="•"/>
-        <a:defRPr sz="2700" kern="1200">
+        <a:defRPr sz="1620" kern="1200">
           <a:solidFill>
             <a:schemeClr val="tx1"/>
           </a:solidFill>
@@ -2800,16 +2800,16 @@
           <a:cs typeface="+mn-cs"/>
         </a:defRPr>
       </a:lvl6pPr>
-      <a:lvl7pPr marL="4457700" indent="-342900" algn="l" defTabSz="1371600" rtl="0" eaLnBrk="1" latinLnBrk="0" hangingPunct="1">
+      <a:lvl7pPr marL="2674620" indent="-205740" algn="l" defTabSz="822960" rtl="0" eaLnBrk="1" latinLnBrk="0" hangingPunct="1">
         <a:lnSpc>
           <a:spcPct val="90000"/>
         </a:lnSpc>
         <a:spcBef>
-          <a:spcPts val="750"/>
+          <a:spcPts val="450"/>
         </a:spcBef>
         <a:buFont typeface="Arial" panose="020B0604020202020204" pitchFamily="34" charset="0"/>
         <a:buChar char="•"/>
-        <a:defRPr sz="2700" kern="1200">
+        <a:defRPr sz="1620" kern="1200">
           <a:solidFill>
             <a:schemeClr val="tx1"/>
           </a:solidFill>
@@ -2818,16 +2818,16 @@
           <a:cs typeface="+mn-cs"/>
         </a:defRPr>
       </a:lvl7pPr>
-      <a:lvl8pPr marL="5143500" indent="-342900" algn="l" defTabSz="1371600" rtl="0" eaLnBrk="1" latinLnBrk="0" hangingPunct="1">
+      <a:lvl8pPr marL="3086100" indent="-205740" algn="l" defTabSz="822960" rtl="0" eaLnBrk="1" latinLnBrk="0" hangingPunct="1">
         <a:lnSpc>
           <a:spcPct val="90000"/>
         </a:lnSpc>
         <a:spcBef>
-          <a:spcPts val="750"/>
+          <a:spcPts val="450"/>
         </a:spcBef>
         <a:buFont typeface="Arial" panose="020B0604020202020204" pitchFamily="34" charset="0"/>
         <a:buChar char="•"/>
-        <a:defRPr sz="2700" kern="1200">
+        <a:defRPr sz="1620" kern="1200">
           <a:solidFill>
             <a:schemeClr val="tx1"/>
           </a:solidFill>
@@ -2836,16 +2836,16 @@
           <a:cs typeface="+mn-cs"/>
         </a:defRPr>
       </a:lvl8pPr>
-      <a:lvl9pPr marL="5829300" indent="-342900" algn="l" defTabSz="1371600" rtl="0" eaLnBrk="1" latinLnBrk="0" hangingPunct="1">
+      <a:lvl9pPr marL="3497580" indent="-205740" algn="l" defTabSz="822960" rtl="0" eaLnBrk="1" latinLnBrk="0" hangingPunct="1">
         <a:lnSpc>
           <a:spcPct val="90000"/>
         </a:lnSpc>
         <a:spcBef>
-          <a:spcPts val="750"/>
+          <a:spcPts val="450"/>
         </a:spcBef>
         <a:buFont typeface="Arial" panose="020B0604020202020204" pitchFamily="34" charset="0"/>
         <a:buChar char="•"/>
-        <a:defRPr sz="2700" kern="1200">
+        <a:defRPr sz="1620" kern="1200">
           <a:solidFill>
             <a:schemeClr val="tx1"/>
           </a:solidFill>
@@ -2859,8 +2859,8 @@
       <a:defPPr>
         <a:defRPr lang="en-US"/>
       </a:defPPr>
-      <a:lvl1pPr marL="0" algn="l" defTabSz="1371600" rtl="0" eaLnBrk="1" latinLnBrk="0" hangingPunct="1">
-        <a:defRPr sz="2700" kern="1200">
+      <a:lvl1pPr marL="0" algn="l" defTabSz="822960" rtl="0" eaLnBrk="1" latinLnBrk="0" hangingPunct="1">
+        <a:defRPr sz="1620" kern="1200">
           <a:solidFill>
             <a:schemeClr val="tx1"/>
           </a:solidFill>
@@ -2869,8 +2869,8 @@
           <a:cs typeface="+mn-cs"/>
         </a:defRPr>
       </a:lvl1pPr>
-      <a:lvl2pPr marL="685800" algn="l" defTabSz="1371600" rtl="0" eaLnBrk="1" latinLnBrk="0" hangingPunct="1">
-        <a:defRPr sz="2700" kern="1200">
+      <a:lvl2pPr marL="411480" algn="l" defTabSz="822960" rtl="0" eaLnBrk="1" latinLnBrk="0" hangingPunct="1">
+        <a:defRPr sz="1620" kern="1200">
           <a:solidFill>
             <a:schemeClr val="tx1"/>
           </a:solidFill>
@@ -2879,8 +2879,8 @@
           <a:cs typeface="+mn-cs"/>
         </a:defRPr>
       </a:lvl2pPr>
-      <a:lvl3pPr marL="1371600" algn="l" defTabSz="1371600" rtl="0" eaLnBrk="1" latinLnBrk="0" hangingPunct="1">
-        <a:defRPr sz="2700" kern="1200">
+      <a:lvl3pPr marL="822960" algn="l" defTabSz="822960" rtl="0" eaLnBrk="1" latinLnBrk="0" hangingPunct="1">
+        <a:defRPr sz="1620" kern="1200">
           <a:solidFill>
             <a:schemeClr val="tx1"/>
           </a:solidFill>
@@ -2889,8 +2889,8 @@
           <a:cs typeface="+mn-cs"/>
         </a:defRPr>
       </a:lvl3pPr>
-      <a:lvl4pPr marL="2057400" algn="l" defTabSz="1371600" rtl="0" eaLnBrk="1" latinLnBrk="0" hangingPunct="1">
-        <a:defRPr sz="2700" kern="1200">
+      <a:lvl4pPr marL="1234440" algn="l" defTabSz="822960" rtl="0" eaLnBrk="1" latinLnBrk="0" hangingPunct="1">
+        <a:defRPr sz="1620" kern="1200">
           <a:solidFill>
             <a:schemeClr val="tx1"/>
           </a:solidFill>
@@ -2899,8 +2899,8 @@
           <a:cs typeface="+mn-cs"/>
         </a:defRPr>
       </a:lvl4pPr>
-      <a:lvl5pPr marL="2743200" algn="l" defTabSz="1371600" rtl="0" eaLnBrk="1" latinLnBrk="0" hangingPunct="1">
-        <a:defRPr sz="2700" kern="1200">
+      <a:lvl5pPr marL="1645920" algn="l" defTabSz="822960" rtl="0" eaLnBrk="1" latinLnBrk="0" hangingPunct="1">
+        <a:defRPr sz="1620" kern="1200">
           <a:solidFill>
             <a:schemeClr val="tx1"/>
           </a:solidFill>
@@ -2909,8 +2909,8 @@
           <a:cs typeface="+mn-cs"/>
         </a:defRPr>
       </a:lvl5pPr>
-      <a:lvl6pPr marL="3429000" algn="l" defTabSz="1371600" rtl="0" eaLnBrk="1" latinLnBrk="0" hangingPunct="1">
-        <a:defRPr sz="2700" kern="1200">
+      <a:lvl6pPr marL="2057400" algn="l" defTabSz="822960" rtl="0" eaLnBrk="1" latinLnBrk="0" hangingPunct="1">
+        <a:defRPr sz="1620" kern="1200">
           <a:solidFill>
             <a:schemeClr val="tx1"/>
           </a:solidFill>
@@ -2919,8 +2919,8 @@
           <a:cs typeface="+mn-cs"/>
         </a:defRPr>
       </a:lvl6pPr>
-      <a:lvl7pPr marL="4114800" algn="l" defTabSz="1371600" rtl="0" eaLnBrk="1" latinLnBrk="0" hangingPunct="1">
-        <a:defRPr sz="2700" kern="1200">
+      <a:lvl7pPr marL="2468880" algn="l" defTabSz="822960" rtl="0" eaLnBrk="1" latinLnBrk="0" hangingPunct="1">
+        <a:defRPr sz="1620" kern="1200">
           <a:solidFill>
             <a:schemeClr val="tx1"/>
           </a:solidFill>
@@ -2929,8 +2929,8 @@
           <a:cs typeface="+mn-cs"/>
         </a:defRPr>
       </a:lvl7pPr>
-      <a:lvl8pPr marL="4800600" algn="l" defTabSz="1371600" rtl="0" eaLnBrk="1" latinLnBrk="0" hangingPunct="1">
-        <a:defRPr sz="2700" kern="1200">
+      <a:lvl8pPr marL="2880360" algn="l" defTabSz="822960" rtl="0" eaLnBrk="1" latinLnBrk="0" hangingPunct="1">
+        <a:defRPr sz="1620" kern="1200">
           <a:solidFill>
             <a:schemeClr val="tx1"/>
           </a:solidFill>
@@ -2939,8 +2939,8 @@
           <a:cs typeface="+mn-cs"/>
         </a:defRPr>
       </a:lvl8pPr>
-      <a:lvl9pPr marL="5486400" algn="l" defTabSz="1371600" rtl="0" eaLnBrk="1" latinLnBrk="0" hangingPunct="1">
-        <a:defRPr sz="2700" kern="1200">
+      <a:lvl9pPr marL="3291840" algn="l" defTabSz="822960" rtl="0" eaLnBrk="1" latinLnBrk="0" hangingPunct="1">
+        <a:defRPr sz="1620" kern="1200">
           <a:solidFill>
             <a:schemeClr val="tx1"/>
           </a:solidFill>
@@ -2985,7 +2985,7 @@
         </p:nvGrpSpPr>
         <p:grpSpPr>
           <a:xfrm>
-            <a:off x="1810839" y="2815299"/>
+            <a:off x="184805" y="279864"/>
             <a:ext cx="7567760" cy="9270071"/>
             <a:chOff x="1810839" y="2815299"/>
             <a:chExt cx="7567760" cy="9270071"/>
@@ -3056,8 +3056,8 @@
             </a:p>
           </p:txBody>
         </p:sp>
-        <mc:AlternateContent xmlns:mc="http://schemas.openxmlformats.org/markup-compatibility/2006">
-          <mc:Choice xmlns:a14="http://schemas.microsoft.com/office/drawing/2010/main" Requires="a14">
+        <mc:AlternateContent xmlns:mc="http://schemas.openxmlformats.org/markup-compatibility/2006" xmlns:a14="http://schemas.microsoft.com/office/drawing/2010/main">
+          <mc:Choice Requires="a14">
             <p:sp>
               <p:nvSpPr>
                 <p:cNvPr id="5" name="Flowchart: Data 4">
@@ -3182,7 +3182,7 @@
               </p:txBody>
             </p:sp>
           </mc:Choice>
-          <mc:Fallback>
+          <mc:Fallback xmlns="">
             <p:sp>
               <p:nvSpPr>
                 <p:cNvPr id="5" name="Flowchart: Data 4">
@@ -3894,8 +3894,8 @@
             </a:p>
           </p:txBody>
         </p:sp>
-        <mc:AlternateContent xmlns:mc="http://schemas.openxmlformats.org/markup-compatibility/2006">
-          <mc:Choice xmlns:a14="http://schemas.microsoft.com/office/drawing/2010/main" Requires="a14">
+        <mc:AlternateContent xmlns:mc="http://schemas.openxmlformats.org/markup-compatibility/2006" xmlns:a14="http://schemas.microsoft.com/office/drawing/2010/main">
+          <mc:Choice Requires="a14">
             <p:sp>
               <p:nvSpPr>
                 <p:cNvPr id="33" name="Flowchart: Process 32">
@@ -3955,7 +3955,7 @@
                       </m:oMathParaPr>
                       <m:oMath xmlns:m="http://schemas.openxmlformats.org/officeDocument/2006/math">
                         <m:r>
-                          <a:rPr lang="en-US" sz="2000" b="0" i="1" smtClean="0">
+                          <a:rPr lang="en-US" sz="2000" i="1">
                             <a:solidFill>
                               <a:schemeClr val="tx1"/>
                             </a:solidFill>
@@ -3965,7 +3965,7 @@
                           <m:t>𝜇</m:t>
                         </m:r>
                         <m:r>
-                          <a:rPr lang="en-US" sz="2000" b="0" i="1" smtClean="0">
+                          <a:rPr lang="en-US" sz="2000" i="1">
                             <a:solidFill>
                               <a:schemeClr val="tx1"/>
                             </a:solidFill>
@@ -3975,7 +3975,7 @@
                           <m:t>=</m:t>
                         </m:r>
                         <m:r>
-                          <a:rPr lang="en-US" sz="2000" b="0" i="1" smtClean="0">
+                          <a:rPr lang="en-US" sz="2000" i="1">
                             <a:solidFill>
                               <a:schemeClr val="tx1"/>
                             </a:solidFill>
@@ -3985,7 +3985,7 @@
                           <m:t>𝜇</m:t>
                         </m:r>
                         <m:r>
-                          <a:rPr lang="en-US" sz="2000" b="0" i="1" smtClean="0">
+                          <a:rPr lang="en-US" sz="2000" i="1">
                             <a:solidFill>
                               <a:schemeClr val="tx1"/>
                             </a:solidFill>
@@ -4008,7 +4008,7 @@
               </p:txBody>
             </p:sp>
           </mc:Choice>
-          <mc:Fallback>
+          <mc:Fallback xmlns="">
             <p:sp>
               <p:nvSpPr>
                 <p:cNvPr id="33" name="Flowchart: Process 32">
